--- a/455DS-Ch08_DeepLearning.pptx
+++ b/455DS-Ch08_DeepLearning.pptx
@@ -5,20 +5,21 @@
     <p:sldMasterId id="2147483684" r:id="rId4"/>
   </p:sldMasterIdLst>
   <p:notesMasterIdLst>
-    <p:notesMasterId r:id="rId13"/>
+    <p:notesMasterId r:id="rId14"/>
   </p:notesMasterIdLst>
   <p:handoutMasterIdLst>
-    <p:handoutMasterId r:id="rId14"/>
+    <p:handoutMasterId r:id="rId15"/>
   </p:handoutMasterIdLst>
   <p:sldIdLst>
-    <p:sldId id="258" r:id="rId5"/>
-    <p:sldId id="281" r:id="rId6"/>
-    <p:sldId id="331" r:id="rId7"/>
-    <p:sldId id="332" r:id="rId8"/>
-    <p:sldId id="368" r:id="rId9"/>
-    <p:sldId id="369" r:id="rId10"/>
-    <p:sldId id="354" r:id="rId11"/>
-    <p:sldId id="370" r:id="rId12"/>
+    <p:sldId id="257" r:id="rId5"/>
+    <p:sldId id="258" r:id="rId6"/>
+    <p:sldId id="281" r:id="rId7"/>
+    <p:sldId id="331" r:id="rId8"/>
+    <p:sldId id="332" r:id="rId9"/>
+    <p:sldId id="368" r:id="rId10"/>
+    <p:sldId id="369" r:id="rId11"/>
+    <p:sldId id="354" r:id="rId12"/>
+    <p:sldId id="370" r:id="rId13"/>
   </p:sldIdLst>
   <p:sldSz cx="9144000" cy="6858000" type="screen4x3"/>
   <p:notesSz cx="7053263" cy="9356725"/>
@@ -273,7 +274,7 @@
               <a:rPr lang="en-US" dirty="0">
                 <a:latin typeface="Tahoma" pitchFamily="34" charset="0"/>
               </a:rPr>
-              <a:t>811M: Python for Data Scientists</a:t>
+              <a:t>455DS: Spark for Data Scientists</a:t>
             </a:r>
           </a:p>
         </p:txBody>
@@ -332,7 +333,7 @@
                 <a:ea typeface="Tahoma" pitchFamily="34" charset="0"/>
                 <a:cs typeface="Tahoma" pitchFamily="34" charset="0"/>
               </a:rPr>
-              <a:t>Chapter 7</a:t>
+              <a:t>Chapter 8</a:t>
             </a:r>
           </a:p>
         </p:txBody>
@@ -722,7 +723,7 @@
                 </a:solidFill>
                 <a:latin typeface="Tahoma" pitchFamily="34" charset="0"/>
               </a:rPr>
-              <a:t>Chapter 7-</a:t>
+              <a:t>Chapter 8-</a:t>
             </a:r>
             <a:fld id="{9C58707A-6F60-4D20-8A8B-4F90B88EA4F7}" type="slidenum">
               <a:rPr lang="en-US" sz="1200" smtClean="0">
@@ -795,7 +796,7 @@
                 </a:solidFill>
                 <a:latin typeface="Tahoma" pitchFamily="34" charset="0"/>
               </a:rPr>
-              <a:t>811M: Python for Data Scientists</a:t>
+              <a:t>455DS: Spark for Data Scientists</a:t>
             </a:r>
           </a:p>
         </p:txBody>
@@ -1198,7 +1199,7 @@
     </p:spTree>
     <p:extLst>
       <p:ext uri="{BB962C8B-B14F-4D97-AF65-F5344CB8AC3E}">
-        <p14:creationId xmlns:p14="http://schemas.microsoft.com/office/powerpoint/2010/main" val="807911905"/>
+        <p14:creationId xmlns:p14="http://schemas.microsoft.com/office/powerpoint/2010/main" val="766601081"/>
       </p:ext>
     </p:extLst>
   </p:cSld>
@@ -1227,7 +1228,7 @@
       </p:grpSpPr>
       <p:sp>
         <p:nvSpPr>
-          <p:cNvPr id="4" name="Slide Image Placeholder 3"/>
+          <p:cNvPr id="2" name="Slide Image Placeholder 1"/>
           <p:cNvSpPr>
             <a:spLocks noGrp="1" noRot="1" noChangeAspect="1"/>
           </p:cNvSpPr>
@@ -1244,7 +1245,7 @@
       </p:sp>
       <p:sp>
         <p:nvSpPr>
-          <p:cNvPr id="5" name="Notes Placeholder 4"/>
+          <p:cNvPr id="3" name="Notes Placeholder 2"/>
           <p:cNvSpPr>
             <a:spLocks noGrp="1"/>
           </p:cNvSpPr>
@@ -1264,7 +1265,7 @@
     </p:spTree>
     <p:extLst>
       <p:ext uri="{BB962C8B-B14F-4D97-AF65-F5344CB8AC3E}">
-        <p14:creationId xmlns:p14="http://schemas.microsoft.com/office/powerpoint/2010/main" val="431877283"/>
+        <p14:creationId xmlns:p14="http://schemas.microsoft.com/office/powerpoint/2010/main" val="807911905"/>
       </p:ext>
     </p:extLst>
   </p:cSld>
@@ -1330,7 +1331,7 @@
     </p:spTree>
     <p:extLst>
       <p:ext uri="{BB962C8B-B14F-4D97-AF65-F5344CB8AC3E}">
-        <p14:creationId xmlns:p14="http://schemas.microsoft.com/office/powerpoint/2010/main" val="1565230098"/>
+        <p14:creationId xmlns:p14="http://schemas.microsoft.com/office/powerpoint/2010/main" val="431877283"/>
       </p:ext>
     </p:extLst>
   </p:cSld>
@@ -1396,7 +1397,7 @@
     </p:spTree>
     <p:extLst>
       <p:ext uri="{BB962C8B-B14F-4D97-AF65-F5344CB8AC3E}">
-        <p14:creationId xmlns:p14="http://schemas.microsoft.com/office/powerpoint/2010/main" val="1372303649"/>
+        <p14:creationId xmlns:p14="http://schemas.microsoft.com/office/powerpoint/2010/main" val="1565230098"/>
       </p:ext>
     </p:extLst>
   </p:cSld>
@@ -1462,7 +1463,7 @@
     </p:spTree>
     <p:extLst>
       <p:ext uri="{BB962C8B-B14F-4D97-AF65-F5344CB8AC3E}">
-        <p14:creationId xmlns:p14="http://schemas.microsoft.com/office/powerpoint/2010/main" val="1480609443"/>
+        <p14:creationId xmlns:p14="http://schemas.microsoft.com/office/powerpoint/2010/main" val="1372303649"/>
       </p:ext>
     </p:extLst>
   </p:cSld>
@@ -1528,7 +1529,7 @@
     </p:spTree>
     <p:extLst>
       <p:ext uri="{BB962C8B-B14F-4D97-AF65-F5344CB8AC3E}">
-        <p14:creationId xmlns:p14="http://schemas.microsoft.com/office/powerpoint/2010/main" val="3704122482"/>
+        <p14:creationId xmlns:p14="http://schemas.microsoft.com/office/powerpoint/2010/main" val="1480609443"/>
       </p:ext>
     </p:extLst>
   </p:cSld>
@@ -1594,6 +1595,72 @@
     </p:spTree>
     <p:extLst>
       <p:ext uri="{BB962C8B-B14F-4D97-AF65-F5344CB8AC3E}">
+        <p14:creationId xmlns:p14="http://schemas.microsoft.com/office/powerpoint/2010/main" val="3704122482"/>
+      </p:ext>
+    </p:extLst>
+  </p:cSld>
+  <p:clrMapOvr>
+    <a:masterClrMapping/>
+  </p:clrMapOvr>
+</p:notes>
+</file>
+
+<file path=ppt/notesSlides/notesSlide8.xml><?xml version="1.0" encoding="utf-8"?>
+<p:notes xmlns:a="http://schemas.openxmlformats.org/drawingml/2006/main" xmlns:r="http://schemas.openxmlformats.org/officeDocument/2006/relationships" xmlns:p="http://schemas.openxmlformats.org/presentationml/2006/main">
+  <p:cSld>
+    <p:spTree>
+      <p:nvGrpSpPr>
+        <p:cNvPr id="1" name=""/>
+        <p:cNvGrpSpPr/>
+        <p:nvPr/>
+      </p:nvGrpSpPr>
+      <p:grpSpPr>
+        <a:xfrm>
+          <a:off x="0" y="0"/>
+          <a:ext cx="0" cy="0"/>
+          <a:chOff x="0" y="0"/>
+          <a:chExt cx="0" cy="0"/>
+        </a:xfrm>
+      </p:grpSpPr>
+      <p:sp>
+        <p:nvSpPr>
+          <p:cNvPr id="4" name="Slide Image Placeholder 3"/>
+          <p:cNvSpPr>
+            <a:spLocks noGrp="1" noRot="1" noChangeAspect="1"/>
+          </p:cNvSpPr>
+          <p:nvPr>
+            <p:ph type="sldImg"/>
+          </p:nvPr>
+        </p:nvSpPr>
+        <p:spPr>
+          <a:xfrm>
+            <a:off x="1189038" y="701675"/>
+            <a:ext cx="4676775" cy="3508375"/>
+          </a:xfrm>
+        </p:spPr>
+      </p:sp>
+      <p:sp>
+        <p:nvSpPr>
+          <p:cNvPr id="5" name="Notes Placeholder 4"/>
+          <p:cNvSpPr>
+            <a:spLocks noGrp="1"/>
+          </p:cNvSpPr>
+          <p:nvPr>
+            <p:ph type="body" idx="1"/>
+          </p:nvPr>
+        </p:nvSpPr>
+        <p:spPr/>
+        <p:txBody>
+          <a:bodyPr/>
+          <a:lstStyle/>
+          <a:p>
+            <a:endParaRPr lang="en-US" dirty="0"/>
+          </a:p>
+        </p:txBody>
+      </p:sp>
+    </p:spTree>
+    <p:extLst>
+      <p:ext uri="{BB962C8B-B14F-4D97-AF65-F5344CB8AC3E}">
         <p14:creationId xmlns:p14="http://schemas.microsoft.com/office/powerpoint/2010/main" val="1016140467"/>
       </p:ext>
     </p:extLst>
@@ -1604,7 +1671,7 @@
 </p:notes>
 </file>
 
-<file path=ppt/notesSlides/notesSlide8.xml><?xml version="1.0" encoding="utf-8"?>
+<file path=ppt/notesSlides/notesSlide9.xml><?xml version="1.0" encoding="utf-8"?>
 <p:notes xmlns:a="http://schemas.openxmlformats.org/drawingml/2006/main" xmlns:r="http://schemas.openxmlformats.org/officeDocument/2006/relationships" xmlns:p="http://schemas.openxmlformats.org/presentationml/2006/main">
   <p:cSld>
     <p:spTree>
@@ -6082,7 +6149,7 @@
                 <a:ea typeface="Tahoma" panose="020B0604030504040204" pitchFamily="34" charset="0"/>
                 <a:cs typeface="Tahoma" panose="020B0604030504040204" pitchFamily="34" charset="0"/>
               </a:rPr>
-              <a:t>811M: Python for Data Scientists</a:t>
+              <a:t>455DS: Spark for Data Scientists</a:t>
             </a:r>
           </a:p>
         </p:txBody>
@@ -6696,73 +6763,7 @@
       </p:grpSpPr>
       <p:sp>
         <p:nvSpPr>
-          <p:cNvPr id="5" name="Content Placeholder 4"/>
-          <p:cNvSpPr>
-            <a:spLocks noGrp="1"/>
-          </p:cNvSpPr>
-          <p:nvPr>
-            <p:ph idx="1"/>
-          </p:nvPr>
-        </p:nvSpPr>
-        <p:spPr/>
-        <p:txBody>
-          <a:bodyPr/>
-          <a:lstStyle/>
-          <a:p>
-            <a:pPr marL="0" indent="0">
-              <a:buNone/>
-            </a:pPr>
-            <a:r>
-              <a:rPr lang="en-US" dirty="0"/>
-              <a:t>In this chapter, we will:</a:t>
-            </a:r>
-          </a:p>
-          <a:p>
-            <a:r>
-              <a:rPr lang="en-US" dirty="0"/>
-              <a:t>What is Deep Learning</a:t>
-            </a:r>
-          </a:p>
-          <a:p>
-            <a:r>
-              <a:rPr lang="en-US" dirty="0"/>
-              <a:t>How to implement a deep learning model with TensorFlow</a:t>
-            </a:r>
-          </a:p>
-          <a:p>
-            <a:r>
-              <a:rPr lang="en-US" dirty="0"/>
-              <a:t>How to use </a:t>
-            </a:r>
-            <a:r>
-              <a:rPr lang="en-US" dirty="0" err="1"/>
-              <a:t>Keras</a:t>
-            </a:r>
-            <a:r>
-              <a:rPr lang="en-US" dirty="0"/>
-              <a:t> trained models</a:t>
-            </a:r>
-          </a:p>
-          <a:p>
-            <a:pPr marL="0" indent="0">
-              <a:buNone/>
-            </a:pPr>
-            <a:endParaRPr lang="en-US" dirty="0"/>
-          </a:p>
-          <a:p>
-            <a:endParaRPr lang="en-US" dirty="0"/>
-          </a:p>
-          <a:p>
-            <a:pPr marL="0" indent="0">
-              <a:buNone/>
-            </a:pPr>
-            <a:endParaRPr lang="en-US" dirty="0"/>
-          </a:p>
-        </p:txBody>
-      </p:sp>
-      <p:sp>
-        <p:nvSpPr>
-          <p:cNvPr id="4" name="Title 3"/>
+          <p:cNvPr id="2" name="Title 1"/>
           <p:cNvSpPr>
             <a:spLocks noGrp="1"/>
           </p:cNvSpPr>
@@ -6776,8 +6777,43 @@
           <a:lstStyle/>
           <a:p>
             <a:r>
+              <a:rPr lang="en-US" sz="3600" dirty="0">
+                <a:effectLst/>
+              </a:rPr>
+              <a:t>Chapter 8: </a:t>
+            </a:r>
+            <a:br>
+              <a:rPr lang="en-US" sz="3600" dirty="0">
+                <a:effectLst/>
+              </a:rPr>
+            </a:br>
+            <a:r>
+              <a:rPr lang="en-US" sz="3600" dirty="0">
+                <a:effectLst/>
+              </a:rPr>
+              <a:t>Deep Learning</a:t>
+            </a:r>
+          </a:p>
+        </p:txBody>
+      </p:sp>
+      <p:sp>
+        <p:nvSpPr>
+          <p:cNvPr id="3" name="Text Placeholder 2"/>
+          <p:cNvSpPr>
+            <a:spLocks noGrp="1"/>
+          </p:cNvSpPr>
+          <p:nvPr>
+            <p:ph type="body" idx="1"/>
+          </p:nvPr>
+        </p:nvSpPr>
+        <p:spPr/>
+        <p:txBody>
+          <a:bodyPr/>
+          <a:lstStyle/>
+          <a:p>
+            <a:r>
               <a:rPr lang="en-US" dirty="0"/>
-              <a:t>Chapter Objectives</a:t>
+              <a:t>Spark for Data Scientists</a:t>
             </a:r>
           </a:p>
         </p:txBody>
@@ -6785,7 +6821,7 @@
     </p:spTree>
     <p:extLst>
       <p:ext uri="{BB962C8B-B14F-4D97-AF65-F5344CB8AC3E}">
-        <p14:creationId xmlns:p14="http://schemas.microsoft.com/office/powerpoint/2010/main" val="1685483045"/>
+        <p14:creationId xmlns:p14="http://schemas.microsoft.com/office/powerpoint/2010/main" val="2662225195"/>
       </p:ext>
     </p:extLst>
   </p:cSld>
@@ -6814,7 +6850,7 @@
       </p:grpSpPr>
       <p:sp>
         <p:nvSpPr>
-          <p:cNvPr id="3" name="Content Placeholder 2"/>
+          <p:cNvPr id="5" name="Content Placeholder 4"/>
           <p:cNvSpPr>
             <a:spLocks noGrp="1"/>
           </p:cNvSpPr>
@@ -6827,46 +6863,52 @@
           <a:bodyPr/>
           <a:lstStyle/>
           <a:p>
-            <a:r>
-              <a:rPr lang="en-US" sz="1700" dirty="0"/>
-              <a:t>Class of machine learning algorithms that use multiple layers to extract progressively more refined features from raw data</a:t>
-            </a:r>
-          </a:p>
-          <a:p>
-            <a:r>
-              <a:rPr lang="en-US" sz="1700" dirty="0"/>
-              <a:t>Typically variations on Neural Networks</a:t>
-            </a:r>
-          </a:p>
-          <a:p>
-            <a:r>
-              <a:rPr lang="en-US" sz="1700" dirty="0"/>
-              <a:t>Normal use cases are image, audio, speech recognition and natural language processing</a:t>
-            </a:r>
-          </a:p>
-          <a:p>
-            <a:r>
-              <a:rPr lang="en-US" sz="1700" dirty="0"/>
-              <a:t>Deep refers to the fact that there are many layers of learning where the results of each layer are passed to the next</a:t>
-            </a:r>
-          </a:p>
-          <a:p>
-            <a:r>
-              <a:rPr lang="en-US" sz="1700" dirty="0"/>
-              <a:t>Typically there is no need to create well defined features since the deep learning model will hone in on the features in a similar manner to how PCA works</a:t>
-            </a:r>
-          </a:p>
-          <a:p>
-            <a:r>
-              <a:rPr lang="en-US" sz="1700" dirty="0"/>
-              <a:t>Require an enormous amount of data and time to train the models</a:t>
-            </a:r>
+            <a:pPr marL="0" indent="0">
+              <a:buNone/>
+            </a:pPr>
+            <a:r>
+              <a:rPr lang="en-US" dirty="0"/>
+              <a:t>In this chapter, we will discover:</a:t>
+            </a:r>
+          </a:p>
+          <a:p>
+            <a:r>
+              <a:rPr lang="en-US" dirty="0"/>
+              <a:t>What deep learning is</a:t>
+            </a:r>
+          </a:p>
+          <a:p>
+            <a:r>
+              <a:rPr lang="en-US" dirty="0"/>
+              <a:t>How to implement a deep learning model with TensorFlow</a:t>
+            </a:r>
+          </a:p>
+          <a:p>
+            <a:r>
+              <a:rPr lang="en-US" dirty="0"/>
+              <a:t>How to use Keras trained models</a:t>
+            </a:r>
+          </a:p>
+          <a:p>
+            <a:pPr marL="0" indent="0">
+              <a:buNone/>
+            </a:pPr>
+            <a:endParaRPr lang="en-US" dirty="0"/>
+          </a:p>
+          <a:p>
+            <a:endParaRPr lang="en-US" dirty="0"/>
+          </a:p>
+          <a:p>
+            <a:pPr marL="0" indent="0">
+              <a:buNone/>
+            </a:pPr>
+            <a:endParaRPr lang="en-US" dirty="0"/>
           </a:p>
         </p:txBody>
       </p:sp>
       <p:sp>
         <p:nvSpPr>
-          <p:cNvPr id="2" name="Title 1"/>
+          <p:cNvPr id="4" name="Title 3"/>
           <p:cNvSpPr>
             <a:spLocks noGrp="1"/>
           </p:cNvSpPr>
@@ -6881,7 +6923,7 @@
           <a:p>
             <a:r>
               <a:rPr lang="en-US" dirty="0"/>
-              <a:t>Deep Learning Defined</a:t>
+              <a:t>Chapter Objectives</a:t>
             </a:r>
           </a:p>
         </p:txBody>
@@ -6889,7 +6931,7 @@
     </p:spTree>
     <p:extLst>
       <p:ext uri="{BB962C8B-B14F-4D97-AF65-F5344CB8AC3E}">
-        <p14:creationId xmlns:p14="http://schemas.microsoft.com/office/powerpoint/2010/main" val="3309313356"/>
+        <p14:creationId xmlns:p14="http://schemas.microsoft.com/office/powerpoint/2010/main" val="1685483045"/>
       </p:ext>
     </p:extLst>
   </p:cSld>
@@ -6926,73 +6968,44 @@
             <p:ph idx="1"/>
           </p:nvPr>
         </p:nvSpPr>
-        <p:spPr>
-          <a:xfrm>
-            <a:off x="581024" y="1155614"/>
-            <a:ext cx="8142351" cy="5072616"/>
-          </a:xfrm>
-        </p:spPr>
+        <p:spPr/>
         <p:txBody>
           <a:bodyPr/>
           <a:lstStyle/>
           <a:p>
             <a:r>
-              <a:rPr lang="en-US" dirty="0"/>
-              <a:t>Google created TensorFlow as a free open source library</a:t>
-            </a:r>
-          </a:p>
-          <a:p>
-            <a:r>
-              <a:rPr lang="en-US" dirty="0"/>
-              <a:t>Install it with pip install </a:t>
-            </a:r>
-            <a:r>
-              <a:rPr lang="en-US" dirty="0" err="1"/>
-              <a:t>tensorflow</a:t>
-            </a:r>
-            <a:endParaRPr lang="en-US" dirty="0"/>
-          </a:p>
-          <a:p>
-            <a:pPr lvl="1"/>
-            <a:r>
-              <a:rPr lang="en-US" dirty="0"/>
-              <a:t>for our demonstration we need a previous version so instead we will install version 1.15 with pip install </a:t>
-            </a:r>
-            <a:r>
-              <a:rPr lang="en-US" dirty="0" err="1"/>
-              <a:t>tensorflow</a:t>
-            </a:r>
-            <a:r>
-              <a:rPr lang="en-US" dirty="0"/>
-              <a:t>==1.15</a:t>
-            </a:r>
-          </a:p>
-          <a:p>
-            <a:r>
-              <a:rPr lang="en-US" dirty="0"/>
-              <a:t>It is a backend engine that </a:t>
-            </a:r>
-            <a:r>
-              <a:rPr lang="en-US" dirty="0" err="1"/>
-              <a:t>SparkML</a:t>
-            </a:r>
-            <a:r>
-              <a:rPr lang="en-US" dirty="0"/>
-              <a:t> will use if it's installed</a:t>
-            </a:r>
-          </a:p>
-          <a:p>
-            <a:r>
-              <a:rPr lang="en-US" dirty="0"/>
-              <a:t>We can read in the images into a </a:t>
-            </a:r>
-            <a:r>
-              <a:rPr lang="en-US" dirty="0" err="1"/>
-              <a:t>DataFrame</a:t>
-            </a:r>
-            <a:r>
-              <a:rPr lang="en-US" dirty="0"/>
-              <a:t> object and split it up into training and testing sets just like normal data</a:t>
+              <a:rPr lang="en-US" sz="1700" dirty="0"/>
+              <a:t>Class of machine learning algorithms that use multiple layers to extract progressively more refined features from raw data</a:t>
+            </a:r>
+          </a:p>
+          <a:p>
+            <a:r>
+              <a:rPr lang="en-US" sz="1700" dirty="0"/>
+              <a:t>Typically variations on Neural Networks</a:t>
+            </a:r>
+          </a:p>
+          <a:p>
+            <a:r>
+              <a:rPr lang="en-US" sz="1700" dirty="0"/>
+              <a:t>Normal use cases are image, audio, speech recognition, and natural language processing</a:t>
+            </a:r>
+          </a:p>
+          <a:p>
+            <a:r>
+              <a:rPr lang="en-US" sz="1700" dirty="0"/>
+              <a:t>Deep refers to the fact that there are many layers of learning where the results of each layer are passed to the next</a:t>
+            </a:r>
+          </a:p>
+          <a:p>
+            <a:r>
+              <a:rPr lang="en-US" sz="1700" dirty="0"/>
+              <a:t>Typically there is no need to create well defined features since the deep learning model will hone in on the features in a similar manner to how PCA works</a:t>
+            </a:r>
+          </a:p>
+          <a:p>
+            <a:r>
+              <a:rPr lang="en-US" sz="1700" dirty="0"/>
+              <a:t>Requires an enormous amount of data and time to train the models</a:t>
             </a:r>
           </a:p>
         </p:txBody>
@@ -7014,7 +7027,7 @@
           <a:p>
             <a:r>
               <a:rPr lang="en-US" dirty="0"/>
-              <a:t>TensorFlow</a:t>
+              <a:t>Deep Learning Defined</a:t>
             </a:r>
           </a:p>
         </p:txBody>
@@ -7022,7 +7035,7 @@
     </p:spTree>
     <p:extLst>
       <p:ext uri="{BB962C8B-B14F-4D97-AF65-F5344CB8AC3E}">
-        <p14:creationId xmlns:p14="http://schemas.microsoft.com/office/powerpoint/2010/main" val="494064200"/>
+        <p14:creationId xmlns:p14="http://schemas.microsoft.com/office/powerpoint/2010/main" val="3309313356"/>
       </p:ext>
     </p:extLst>
   </p:cSld>
@@ -7051,401 +7064,7 @@
       </p:grpSpPr>
       <p:sp>
         <p:nvSpPr>
-          <p:cNvPr id="2" name="Title 1"/>
-          <p:cNvSpPr>
-            <a:spLocks noGrp="1"/>
-          </p:cNvSpPr>
-          <p:nvPr>
-            <p:ph type="title"/>
-          </p:nvPr>
-        </p:nvSpPr>
-        <p:spPr/>
-        <p:txBody>
-          <a:bodyPr/>
-          <a:lstStyle/>
-          <a:p>
-            <a:r>
-              <a:rPr lang="en-US" dirty="0" err="1"/>
-              <a:t>DeepImageFeaturizer</a:t>
-            </a:r>
-            <a:endParaRPr lang="en-US" dirty="0"/>
-          </a:p>
-        </p:txBody>
-      </p:sp>
-      <p:sp>
-        <p:nvSpPr>
-          <p:cNvPr id="4" name="TextBox 3">
-            <a:extLst>
-              <a:ext uri="{FF2B5EF4-FFF2-40B4-BE49-F238E27FC236}">
-                <a16:creationId xmlns:a16="http://schemas.microsoft.com/office/drawing/2014/main" id="{E7FB91B7-B630-7F4D-AD55-0AF768DA615B}"/>
-              </a:ext>
-            </a:extLst>
-          </p:cNvPr>
-          <p:cNvSpPr txBox="1"/>
-          <p:nvPr/>
-        </p:nvSpPr>
-        <p:spPr>
-          <a:xfrm>
-            <a:off x="261007" y="3222817"/>
-            <a:ext cx="8582298" cy="2462213"/>
-          </a:xfrm>
-          <a:prstGeom prst="rect">
-            <a:avLst/>
-          </a:prstGeom>
-          <a:noFill/>
-          <a:ln w="28575" algn="ctr">
-            <a:solidFill>
-              <a:schemeClr val="accent2">
-                <a:lumMod val="20000"/>
-                <a:lumOff val="80000"/>
-              </a:schemeClr>
-            </a:solidFill>
-            <a:miter lim="800000"/>
-            <a:headEnd/>
-            <a:tailEnd/>
-          </a:ln>
-          <a:effectLst/>
-        </p:spPr>
-        <p:txBody>
-          <a:bodyPr wrap="square">
-            <a:spAutoFit/>
-          </a:bodyPr>
-          <a:lstStyle>
-            <a:defPPr>
-              <a:defRPr lang="en-US"/>
-            </a:defPPr>
-            <a:lvl1pPr marL="0" defTabSz="914400" eaLnBrk="1" latinLnBrk="0" hangingPunct="1">
-              <a:defRPr sz="1400">
-                <a:solidFill>
-                  <a:schemeClr val="tx1"/>
-                </a:solidFill>
-                <a:latin typeface="Courier New" pitchFamily="49" charset="0"/>
-                <a:cs typeface="+mn-cs"/>
-              </a:defRPr>
-            </a:lvl1pPr>
-            <a:lvl2pPr marL="742950" indent="-285750" defTabSz="914400" latinLnBrk="0">
-              <a:defRPr sz="1400">
-                <a:solidFill>
-                  <a:schemeClr val="tx1"/>
-                </a:solidFill>
-                <a:latin typeface="Arial" charset="0"/>
-                <a:cs typeface="+mn-cs"/>
-              </a:defRPr>
-            </a:lvl2pPr>
-            <a:lvl3pPr marL="1143000" indent="-228600" defTabSz="914400" latinLnBrk="0">
-              <a:defRPr sz="1400">
-                <a:solidFill>
-                  <a:schemeClr val="tx1"/>
-                </a:solidFill>
-                <a:latin typeface="Arial" charset="0"/>
-                <a:cs typeface="+mn-cs"/>
-              </a:defRPr>
-            </a:lvl3pPr>
-            <a:lvl4pPr marL="1600200" indent="-228600" defTabSz="914400" latinLnBrk="0">
-              <a:defRPr sz="1400">
-                <a:solidFill>
-                  <a:schemeClr val="tx1"/>
-                </a:solidFill>
-                <a:latin typeface="Arial" charset="0"/>
-                <a:cs typeface="+mn-cs"/>
-              </a:defRPr>
-            </a:lvl4pPr>
-            <a:lvl5pPr marL="2057400" indent="-228600" defTabSz="914400" latinLnBrk="0">
-              <a:defRPr sz="1400">
-                <a:solidFill>
-                  <a:schemeClr val="tx1"/>
-                </a:solidFill>
-                <a:latin typeface="Arial" charset="0"/>
-                <a:cs typeface="+mn-cs"/>
-              </a:defRPr>
-            </a:lvl5pPr>
-            <a:lvl6pPr marL="2514600" indent="-228600" eaLnBrk="0" fontAlgn="base" hangingPunct="0">
-              <a:spcBef>
-                <a:spcPct val="0"/>
-              </a:spcBef>
-              <a:spcAft>
-                <a:spcPct val="0"/>
-              </a:spcAft>
-              <a:defRPr sz="1400">
-                <a:solidFill>
-                  <a:schemeClr val="tx1"/>
-                </a:solidFill>
-                <a:latin typeface="Arial" charset="0"/>
-                <a:cs typeface="+mn-cs"/>
-              </a:defRPr>
-            </a:lvl6pPr>
-            <a:lvl7pPr marL="2971800" indent="-228600" eaLnBrk="0" fontAlgn="base" hangingPunct="0">
-              <a:spcBef>
-                <a:spcPct val="0"/>
-              </a:spcBef>
-              <a:spcAft>
-                <a:spcPct val="0"/>
-              </a:spcAft>
-              <a:defRPr sz="1400">
-                <a:solidFill>
-                  <a:schemeClr val="tx1"/>
-                </a:solidFill>
-                <a:latin typeface="Arial" charset="0"/>
-                <a:cs typeface="+mn-cs"/>
-              </a:defRPr>
-            </a:lvl7pPr>
-            <a:lvl8pPr marL="3429000" indent="-228600" eaLnBrk="0" fontAlgn="base" hangingPunct="0">
-              <a:spcBef>
-                <a:spcPct val="0"/>
-              </a:spcBef>
-              <a:spcAft>
-                <a:spcPct val="0"/>
-              </a:spcAft>
-              <a:defRPr sz="1400">
-                <a:solidFill>
-                  <a:schemeClr val="tx1"/>
-                </a:solidFill>
-                <a:latin typeface="Arial" charset="0"/>
-                <a:cs typeface="+mn-cs"/>
-              </a:defRPr>
-            </a:lvl8pPr>
-            <a:lvl9pPr marL="3886200" indent="-228600" eaLnBrk="0" fontAlgn="base" hangingPunct="0">
-              <a:spcBef>
-                <a:spcPct val="0"/>
-              </a:spcBef>
-              <a:spcAft>
-                <a:spcPct val="0"/>
-              </a:spcAft>
-              <a:defRPr sz="1400">
-                <a:solidFill>
-                  <a:schemeClr val="tx1"/>
-                </a:solidFill>
-                <a:latin typeface="Arial" charset="0"/>
-                <a:cs typeface="+mn-cs"/>
-              </a:defRPr>
-            </a:lvl9pPr>
-          </a:lstStyle>
-          <a:p>
-            <a:r>
-              <a:rPr lang="en-US" b="1" dirty="0"/>
-              <a:t>from </a:t>
-            </a:r>
-            <a:r>
-              <a:rPr lang="en-US" b="1" dirty="0" err="1"/>
-              <a:t>pyspark.ml.classification</a:t>
-            </a:r>
-            <a:r>
-              <a:rPr lang="en-US" b="1" dirty="0"/>
-              <a:t> import </a:t>
-            </a:r>
-            <a:r>
-              <a:rPr lang="en-US" b="1" dirty="0" err="1"/>
-              <a:t>LogisticRegression</a:t>
-            </a:r>
-            <a:endParaRPr lang="en-US" b="1" dirty="0"/>
-          </a:p>
-          <a:p>
-            <a:r>
-              <a:rPr lang="en-US" b="1" dirty="0"/>
-              <a:t>from </a:t>
-            </a:r>
-            <a:r>
-              <a:rPr lang="en-US" b="1" dirty="0" err="1"/>
-              <a:t>pyspark.ml</a:t>
-            </a:r>
-            <a:r>
-              <a:rPr lang="en-US" b="1" dirty="0"/>
-              <a:t> import Pipeline</a:t>
-            </a:r>
-          </a:p>
-          <a:p>
-            <a:r>
-              <a:rPr lang="en-US" b="1" dirty="0"/>
-              <a:t>from </a:t>
-            </a:r>
-            <a:r>
-              <a:rPr lang="en-US" b="1" dirty="0" err="1"/>
-              <a:t>sparkdl</a:t>
-            </a:r>
-            <a:r>
-              <a:rPr lang="en-US" b="1" dirty="0"/>
-              <a:t> import </a:t>
-            </a:r>
-            <a:r>
-              <a:rPr lang="en-US" b="1" dirty="0" err="1"/>
-              <a:t>DeepImageFeaturizer</a:t>
-            </a:r>
-            <a:r>
-              <a:rPr lang="en-US" b="1" dirty="0"/>
-              <a:t> </a:t>
-            </a:r>
-          </a:p>
-          <a:p>
-            <a:endParaRPr lang="en-US" b="1" dirty="0"/>
-          </a:p>
-          <a:p>
-            <a:r>
-              <a:rPr lang="en-US" b="1" dirty="0" err="1"/>
-              <a:t>featurizer</a:t>
-            </a:r>
-            <a:r>
-              <a:rPr lang="en-US" b="1" dirty="0"/>
-              <a:t> = </a:t>
-            </a:r>
-            <a:r>
-              <a:rPr lang="en-US" b="1" dirty="0" err="1"/>
-              <a:t>DeepImageFeaturizer</a:t>
-            </a:r>
-            <a:r>
-              <a:rPr lang="en-US" b="1" dirty="0"/>
-              <a:t>(</a:t>
-            </a:r>
-            <a:r>
-              <a:rPr lang="en-US" b="1" dirty="0" err="1"/>
-              <a:t>inputCol</a:t>
-            </a:r>
-            <a:r>
-              <a:rPr lang="en-US" b="1" dirty="0"/>
-              <a:t>="image", \</a:t>
-            </a:r>
-            <a:br>
-              <a:rPr lang="en-US" b="1" dirty="0"/>
-            </a:br>
-            <a:r>
-              <a:rPr lang="en-US" b="1" dirty="0"/>
-              <a:t>             </a:t>
-            </a:r>
-            <a:r>
-              <a:rPr lang="en-US" b="1" dirty="0" err="1"/>
-              <a:t>outputCol</a:t>
-            </a:r>
-            <a:r>
-              <a:rPr lang="en-US" b="1" dirty="0"/>
-              <a:t>="features", </a:t>
-            </a:r>
-            <a:r>
-              <a:rPr lang="en-US" b="1" dirty="0" err="1"/>
-              <a:t>modelName</a:t>
-            </a:r>
-            <a:r>
-              <a:rPr lang="en-US" b="1" dirty="0"/>
-              <a:t>="InceptionV3")</a:t>
-            </a:r>
-          </a:p>
-          <a:p>
-            <a:r>
-              <a:rPr lang="en-US" b="1" dirty="0" err="1"/>
-              <a:t>lr</a:t>
-            </a:r>
-            <a:r>
-              <a:rPr lang="en-US" b="1" dirty="0"/>
-              <a:t> = </a:t>
-            </a:r>
-            <a:r>
-              <a:rPr lang="en-US" b="1" dirty="0" err="1"/>
-              <a:t>LogisticRegression</a:t>
-            </a:r>
-            <a:r>
-              <a:rPr lang="en-US" b="1" dirty="0"/>
-              <a:t>(</a:t>
-            </a:r>
-            <a:r>
-              <a:rPr lang="en-US" b="1" dirty="0" err="1"/>
-              <a:t>maxIter</a:t>
-            </a:r>
-            <a:r>
-              <a:rPr lang="en-US" b="1" dirty="0"/>
-              <a:t>=10, </a:t>
-            </a:r>
-            <a:r>
-              <a:rPr lang="en-US" b="1" dirty="0" err="1"/>
-              <a:t>regParam</a:t>
-            </a:r>
-            <a:r>
-              <a:rPr lang="en-US" b="1" dirty="0"/>
-              <a:t>=0.05, \</a:t>
-            </a:r>
-            <a:br>
-              <a:rPr lang="en-US" b="1" dirty="0"/>
-            </a:br>
-            <a:r>
-              <a:rPr lang="en-US" b="1" dirty="0"/>
-              <a:t>                        </a:t>
-            </a:r>
-            <a:r>
-              <a:rPr lang="en-US" b="1" dirty="0" err="1"/>
-              <a:t>elasticNetParam</a:t>
-            </a:r>
-            <a:r>
-              <a:rPr lang="en-US" b="1" dirty="0"/>
-              <a:t>=0.3, </a:t>
-            </a:r>
-            <a:r>
-              <a:rPr lang="en-US" b="1" dirty="0" err="1"/>
-              <a:t>labelCol</a:t>
-            </a:r>
-            <a:r>
-              <a:rPr lang="en-US" b="1" dirty="0"/>
-              <a:t>="label")</a:t>
-            </a:r>
-          </a:p>
-          <a:p>
-            <a:r>
-              <a:rPr lang="en-US" b="1" dirty="0"/>
-              <a:t>p = Pipeline(stages=[</a:t>
-            </a:r>
-            <a:r>
-              <a:rPr lang="en-US" b="1" dirty="0" err="1"/>
-              <a:t>featurizer</a:t>
-            </a:r>
-            <a:r>
-              <a:rPr lang="en-US" b="1" dirty="0"/>
-              <a:t>, </a:t>
-            </a:r>
-            <a:r>
-              <a:rPr lang="en-US" b="1" dirty="0" err="1"/>
-              <a:t>lr</a:t>
-            </a:r>
-            <a:r>
-              <a:rPr lang="en-US" b="1" dirty="0"/>
-              <a:t>])</a:t>
-            </a:r>
-          </a:p>
-          <a:p>
-            <a:r>
-              <a:rPr lang="en-US" b="1" dirty="0" err="1"/>
-              <a:t>p_model</a:t>
-            </a:r>
-            <a:r>
-              <a:rPr lang="en-US" b="1" dirty="0"/>
-              <a:t> = </a:t>
-            </a:r>
-            <a:r>
-              <a:rPr lang="en-US" b="1" dirty="0" err="1"/>
-              <a:t>p.fit</a:t>
-            </a:r>
-            <a:r>
-              <a:rPr lang="en-US" b="1" dirty="0"/>
-              <a:t>(</a:t>
-            </a:r>
-            <a:r>
-              <a:rPr lang="en-US" b="1" dirty="0" err="1"/>
-              <a:t>train_df</a:t>
-            </a:r>
-            <a:r>
-              <a:rPr lang="en-US" b="1" dirty="0"/>
-              <a:t>)</a:t>
-            </a:r>
-          </a:p>
-          <a:p>
-            <a:endParaRPr lang="en-US" b="1" dirty="0"/>
-          </a:p>
-        </p:txBody>
-      </p:sp>
-      <p:sp>
-        <p:nvSpPr>
-          <p:cNvPr id="5" name="Content Placeholder 2">
-            <a:extLst>
-              <a:ext uri="{FF2B5EF4-FFF2-40B4-BE49-F238E27FC236}">
-                <a16:creationId xmlns:a16="http://schemas.microsoft.com/office/drawing/2014/main" id="{A4576B77-5CF2-D549-987B-2D6716FC4DD9}"/>
-              </a:ext>
-            </a:extLst>
-          </p:cNvPr>
+          <p:cNvPr id="3" name="Content Placeholder 2"/>
           <p:cNvSpPr>
             <a:spLocks noGrp="1"/>
           </p:cNvSpPr>
@@ -7465,27 +7084,68 @@
           <a:p>
             <a:r>
               <a:rPr lang="en-US" dirty="0"/>
-              <a:t>The </a:t>
-            </a:r>
-            <a:r>
-              <a:rPr lang="en-US" dirty="0" err="1"/>
-              <a:t>DeepImageFeaturizer</a:t>
-            </a:r>
+              <a:t>Google created TensorFlow as a free open-source library</a:t>
+            </a:r>
+          </a:p>
+          <a:p>
             <a:r>
               <a:rPr lang="en-US" dirty="0"/>
-              <a:t> class will automatically extract features from an image </a:t>
-            </a:r>
-          </a:p>
-          <a:p>
+              <a:t>Install it with </a:t>
+            </a:r>
+            <a:r>
+              <a:rPr lang="en-US" dirty="0">
+                <a:latin typeface="Courier New" panose="02070309020205020404" pitchFamily="49" charset="0"/>
+                <a:cs typeface="Courier New" panose="02070309020205020404" pitchFamily="49" charset="0"/>
+              </a:rPr>
+              <a:t>pip install tensorflow</a:t>
+            </a:r>
+          </a:p>
+          <a:p>
+            <a:pPr lvl="1"/>
             <a:r>
               <a:rPr lang="en-US" dirty="0"/>
-              <a:t>The results of that transformation can then be passed into a classification model through a Pipeline to train the model</a:t>
+              <a:t>For our demonstration, we need a previous version so instead we will install version 1.15 with </a:t>
+            </a:r>
+            <a:r>
+              <a:rPr lang="en-US" dirty="0">
+                <a:latin typeface="Courier New" panose="02070309020205020404" pitchFamily="49" charset="0"/>
+                <a:cs typeface="Courier New" panose="02070309020205020404" pitchFamily="49" charset="0"/>
+              </a:rPr>
+              <a:t>pip install tensorflow==1.15</a:t>
             </a:r>
           </a:p>
           <a:p>
             <a:r>
               <a:rPr lang="en-US" dirty="0"/>
-              <a:t>The it can be evaluated like any other model to see how effective it was</a:t>
+              <a:t>It is a backend engine that Spark ML will use if it’s installed</a:t>
+            </a:r>
+          </a:p>
+          <a:p>
+            <a:r>
+              <a:rPr lang="en-US" dirty="0"/>
+              <a:t>We can read in the images into a DataFrame object and split it up into training and testing sets just like normal data</a:t>
+            </a:r>
+          </a:p>
+        </p:txBody>
+      </p:sp>
+      <p:sp>
+        <p:nvSpPr>
+          <p:cNvPr id="2" name="Title 1"/>
+          <p:cNvSpPr>
+            <a:spLocks noGrp="1"/>
+          </p:cNvSpPr>
+          <p:nvPr>
+            <p:ph type="title"/>
+          </p:nvPr>
+        </p:nvSpPr>
+        <p:spPr/>
+        <p:txBody>
+          <a:bodyPr/>
+          <a:lstStyle/>
+          <a:p>
+            <a:r>
+              <a:rPr lang="en-US" dirty="0"/>
+              <a:t>TensorFlow</a:t>
             </a:r>
           </a:p>
         </p:txBody>
@@ -7493,7 +7153,7 @@
     </p:spTree>
     <p:extLst>
       <p:ext uri="{BB962C8B-B14F-4D97-AF65-F5344CB8AC3E}">
-        <p14:creationId xmlns:p14="http://schemas.microsoft.com/office/powerpoint/2010/main" val="1938783940"/>
+        <p14:creationId xmlns:p14="http://schemas.microsoft.com/office/powerpoint/2010/main" val="494064200"/>
       </p:ext>
     </p:extLst>
   </p:cSld>
@@ -7536,74 +7196,21 @@
           <a:lstStyle/>
           <a:p>
             <a:r>
-              <a:rPr lang="en-US" dirty="0"/>
-              <a:t>Pre-trained Models</a:t>
+              <a:rPr lang="en-US" dirty="0">
+                <a:latin typeface="Courier New" panose="02070309020205020404" pitchFamily="49" charset="0"/>
+                <a:cs typeface="Courier New" panose="02070309020205020404" pitchFamily="49" charset="0"/>
+              </a:rPr>
+              <a:t>DeepImageFeaturizer</a:t>
             </a:r>
           </a:p>
         </p:txBody>
       </p:sp>
       <p:sp>
         <p:nvSpPr>
-          <p:cNvPr id="5" name="Content Placeholder 2">
+          <p:cNvPr id="4" name="TextBox 3">
             <a:extLst>
               <a:ext uri="{FF2B5EF4-FFF2-40B4-BE49-F238E27FC236}">
-                <a16:creationId xmlns:a16="http://schemas.microsoft.com/office/drawing/2014/main" id="{A4576B77-5CF2-D549-987B-2D6716FC4DD9}"/>
-              </a:ext>
-            </a:extLst>
-          </p:cNvPr>
-          <p:cNvSpPr>
-            <a:spLocks noGrp="1"/>
-          </p:cNvSpPr>
-          <p:nvPr>
-            <p:ph idx="1"/>
-          </p:nvPr>
-        </p:nvSpPr>
-        <p:spPr>
-          <a:xfrm>
-            <a:off x="581024" y="1155614"/>
-            <a:ext cx="8142351" cy="5072616"/>
-          </a:xfrm>
-        </p:spPr>
-        <p:txBody>
-          <a:bodyPr/>
-          <a:lstStyle/>
-          <a:p>
-            <a:r>
-              <a:rPr lang="en-US" dirty="0"/>
-              <a:t>It takes a lot of time and data to train models</a:t>
-            </a:r>
-          </a:p>
-          <a:p>
-            <a:r>
-              <a:rPr lang="en-US" dirty="0"/>
-              <a:t>Fortunately there are many open source pre-trained models available that easily plug into Spark and other machine learning tools too let you leverage that knowledge in your own projects</a:t>
-            </a:r>
-          </a:p>
-          <a:p>
-            <a:r>
-              <a:rPr lang="en-US" dirty="0" err="1"/>
-              <a:t>Keras</a:t>
-            </a:r>
-            <a:r>
-              <a:rPr lang="en-US" dirty="0"/>
-              <a:t> and TensorFlow offer many pre-trained models that are easy to use and let you skip right to the prediction phase</a:t>
-            </a:r>
-          </a:p>
-          <a:p>
-            <a:pPr lvl="1"/>
-            <a:r>
-              <a:rPr lang="en-US" dirty="0"/>
-              <a:t>InceptionV3 is one such image recognition model </a:t>
-            </a:r>
-          </a:p>
-        </p:txBody>
-      </p:sp>
-      <p:sp>
-        <p:nvSpPr>
-          <p:cNvPr id="6" name="TextBox 5">
-            <a:extLst>
-              <a:ext uri="{FF2B5EF4-FFF2-40B4-BE49-F238E27FC236}">
-                <a16:creationId xmlns:a16="http://schemas.microsoft.com/office/drawing/2014/main" id="{75052F06-AAC7-024C-BCFF-D655FD59BF99}"/>
+                <a16:creationId xmlns:a16="http://schemas.microsoft.com/office/drawing/2014/main" id="{E7FB91B7-B630-7F4D-AD55-0AF768DA615B}"/>
               </a:ext>
             </a:extLst>
           </p:cNvPr>
@@ -7612,8 +7219,8 @@
         </p:nvSpPr>
         <p:spPr>
           <a:xfrm>
-            <a:off x="361050" y="3691922"/>
-            <a:ext cx="8582298" cy="1169551"/>
+            <a:off x="1127200" y="3122233"/>
+            <a:ext cx="6889601" cy="2246769"/>
           </a:xfrm>
           <a:prstGeom prst="rect">
             <a:avLst/>
@@ -7749,142 +7356,116 @@
           <a:p>
             <a:r>
               <a:rPr lang="en-US" b="1" dirty="0"/>
-              <a:t>from </a:t>
-            </a:r>
-            <a:r>
-              <a:rPr lang="en-US" b="1" dirty="0" err="1"/>
-              <a:t>sparkdl</a:t>
-            </a:r>
+              <a:t>from pyspark.ml.classification import LogisticRegression</a:t>
+            </a:r>
+          </a:p>
+          <a:p>
             <a:r>
               <a:rPr lang="en-US" b="1" dirty="0"/>
-              <a:t> import </a:t>
-            </a:r>
-            <a:r>
-              <a:rPr lang="en-US" b="1" dirty="0" err="1"/>
-              <a:t>DeepImagePredictor</a:t>
-            </a:r>
+              <a:t>from pyspark.ml import Pipeline</a:t>
+            </a:r>
+          </a:p>
+          <a:p>
+            <a:r>
+              <a:rPr lang="en-US" b="1" dirty="0"/>
+              <a:t>from sparkdl import DeepImageFeaturizer </a:t>
+            </a:r>
+          </a:p>
+          <a:p>
             <a:endParaRPr lang="en-US" b="1" dirty="0"/>
           </a:p>
           <a:p>
             <a:r>
-              <a:rPr lang="en-US" b="1" dirty="0" err="1"/>
-              <a:t>image_df</a:t>
-            </a:r>
-            <a:r>
               <a:rPr lang="en-US" b="1" dirty="0"/>
-              <a:t> = </a:t>
-            </a:r>
-            <a:r>
-              <a:rPr lang="en-US" b="1" dirty="0" err="1"/>
-              <a:t>ImageSchema.readImages</a:t>
-            </a:r>
-            <a:r>
+              <a:t>featurizer = DeepImageFeaturizer(inputCol="image", \</a:t>
+            </a:r>
+            <a:br>
               <a:rPr lang="en-US" b="1" dirty="0"/>
-              <a:t>("</a:t>
-            </a:r>
-            <a:r>
-              <a:rPr lang="en-US" b="1" dirty="0" err="1"/>
-              <a:t>flower_photos</a:t>
-            </a:r>
+            </a:br>
             <a:r>
               <a:rPr lang="en-US" b="1" dirty="0"/>
-              <a:t>/sample/")</a:t>
+              <a:t>             outputCol="features", modelName="InceptionV3")</a:t>
             </a:r>
           </a:p>
           <a:p>
             <a:r>
               <a:rPr lang="en-US" b="1" dirty="0"/>
-              <a:t>predictor = </a:t>
-            </a:r>
-            <a:r>
-              <a:rPr lang="en-US" b="1" dirty="0" err="1"/>
-              <a:t>DeepImagePredictor</a:t>
-            </a:r>
-            <a:r>
+              <a:t>lr = LogisticRegression(maxIter=10, regParam=0.05, \</a:t>
+            </a:r>
+            <a:br>
               <a:rPr lang="en-US" b="1" dirty="0"/>
-              <a:t>(</a:t>
-            </a:r>
-            <a:r>
-              <a:rPr lang="en-US" b="1" dirty="0" err="1"/>
-              <a:t>inputCol</a:t>
-            </a:r>
+            </a:br>
             <a:r>
               <a:rPr lang="en-US" b="1" dirty="0"/>
-              <a:t>="image", </a:t>
-            </a:r>
-            <a:r>
-              <a:rPr lang="en-US" b="1" dirty="0" err="1"/>
-              <a:t>outputCol</a:t>
-            </a:r>
+              <a:t>                        elasticNetParam=0.3, labelCol="label")</a:t>
+            </a:r>
+          </a:p>
+          <a:p>
             <a:r>
               <a:rPr lang="en-US" b="1" dirty="0"/>
-              <a:t>="</a:t>
-            </a:r>
-            <a:r>
-              <a:rPr lang="en-US" b="1" dirty="0" err="1"/>
-              <a:t>predicted_labels</a:t>
-            </a:r>
+              <a:t>p = Pipeline(stages=[featurizer, lr])</a:t>
+            </a:r>
+          </a:p>
+          <a:p>
             <a:r>
               <a:rPr lang="en-US" b="1" dirty="0"/>
-              <a:t>", </a:t>
-            </a:r>
-            <a:r>
-              <a:rPr lang="en-US" b="1" dirty="0" err="1">
-                <a:solidFill>
-                  <a:srgbClr val="FF0000"/>
-                </a:solidFill>
+              <a:t>p_model = p.fit(train_df)</a:t>
+            </a:r>
+          </a:p>
+        </p:txBody>
+      </p:sp>
+      <p:sp>
+        <p:nvSpPr>
+          <p:cNvPr id="5" name="Content Placeholder 2">
+            <a:extLst>
+              <a:ext uri="{FF2B5EF4-FFF2-40B4-BE49-F238E27FC236}">
+                <a16:creationId xmlns:a16="http://schemas.microsoft.com/office/drawing/2014/main" id="{A4576B77-5CF2-D549-987B-2D6716FC4DD9}"/>
+              </a:ext>
+            </a:extLst>
+          </p:cNvPr>
+          <p:cNvSpPr>
+            <a:spLocks noGrp="1"/>
+          </p:cNvSpPr>
+          <p:nvPr>
+            <p:ph idx="1"/>
+          </p:nvPr>
+        </p:nvSpPr>
+        <p:spPr>
+          <a:xfrm>
+            <a:off x="581024" y="1155614"/>
+            <a:ext cx="8142351" cy="5072616"/>
+          </a:xfrm>
+        </p:spPr>
+        <p:txBody>
+          <a:bodyPr/>
+          <a:lstStyle/>
+          <a:p>
+            <a:r>
+              <a:rPr lang="en-US" dirty="0"/>
+              <a:t>The </a:t>
+            </a:r>
+            <a:r>
+              <a:rPr lang="en-US" dirty="0">
+                <a:latin typeface="Courier New" panose="02070309020205020404" pitchFamily="49" charset="0"/>
+                <a:cs typeface="Courier New" panose="02070309020205020404" pitchFamily="49" charset="0"/>
               </a:rPr>
-              <a:t>modelName</a:t>
-            </a:r>
-            <a:r>
-              <a:rPr lang="en-US" b="1" dirty="0">
-                <a:solidFill>
-                  <a:srgbClr val="FF0000"/>
-                </a:solidFill>
-              </a:rPr>
-              <a:t>="InceptionV3", </a:t>
-            </a:r>
-            <a:r>
-              <a:rPr lang="en-US" b="1" dirty="0" err="1"/>
-              <a:t>decodePredictions</a:t>
-            </a:r>
-            <a:r>
-              <a:rPr lang="en-US" b="1" dirty="0"/>
-              <a:t>=True, </a:t>
-            </a:r>
-            <a:r>
-              <a:rPr lang="en-US" b="1" dirty="0" err="1"/>
-              <a:t>topK</a:t>
-            </a:r>
-            <a:r>
-              <a:rPr lang="en-US" b="1" dirty="0"/>
-              <a:t>=10)</a:t>
-            </a:r>
-          </a:p>
-          <a:p>
-            <a:r>
-              <a:rPr lang="en-US" b="1" dirty="0" err="1"/>
-              <a:t>predictions_df</a:t>
-            </a:r>
-            <a:r>
-              <a:rPr lang="en-US" b="1" dirty="0"/>
-              <a:t> = </a:t>
-            </a:r>
-            <a:r>
-              <a:rPr lang="en-US" b="1" dirty="0" err="1"/>
-              <a:t>predictor.transform</a:t>
-            </a:r>
-            <a:r>
-              <a:rPr lang="en-US" b="1" dirty="0"/>
-              <a:t>(</a:t>
-            </a:r>
-            <a:r>
-              <a:rPr lang="en-US" b="1" dirty="0" err="1"/>
-              <a:t>image_df</a:t>
-            </a:r>
-            <a:r>
-              <a:rPr lang="en-US" b="1" dirty="0"/>
-              <a:t>)</a:t>
+              <a:t>DeepImageFeaturizer</a:t>
+            </a:r>
+            <a:r>
+              <a:rPr lang="en-US" dirty="0"/>
+              <a:t> class will automatically extract features from an image </a:t>
+            </a:r>
+          </a:p>
+          <a:p>
+            <a:r>
+              <a:rPr lang="en-US" dirty="0"/>
+              <a:t>The results of that transformation can then be passed into a classification model through a pipeline to train the model</a:t>
+            </a:r>
+          </a:p>
+          <a:p>
+            <a:r>
+              <a:rPr lang="en-US" dirty="0"/>
+              <a:t>Then it can be evaluated like any other model to see how effective it was</a:t>
             </a:r>
           </a:p>
         </p:txBody>
@@ -7892,7 +7473,7 @@
     </p:spTree>
     <p:extLst>
       <p:ext uri="{BB962C8B-B14F-4D97-AF65-F5344CB8AC3E}">
-        <p14:creationId xmlns:p14="http://schemas.microsoft.com/office/powerpoint/2010/main" val="2291645500"/>
+        <p14:creationId xmlns:p14="http://schemas.microsoft.com/office/powerpoint/2010/main" val="1938783940"/>
       </p:ext>
     </p:extLst>
   </p:cSld>
@@ -7935,12 +7516,8 @@
           <a:lstStyle/>
           <a:p>
             <a:r>
-              <a:rPr lang="en-US" dirty="0" err="1"/>
-              <a:t>Keras</a:t>
-            </a:r>
-            <a:r>
               <a:rPr lang="en-US" dirty="0"/>
-              <a:t> Models</a:t>
+              <a:t>Pre-Trained Models</a:t>
             </a:r>
           </a:p>
         </p:txBody>
@@ -7972,18 +7549,27 @@
           <a:lstStyle/>
           <a:p>
             <a:r>
-              <a:rPr lang="en-US" dirty="0" err="1"/>
-              <a:t>Keras</a:t>
-            </a:r>
-            <a:r>
               <a:rPr lang="en-US" dirty="0"/>
-              <a:t> is another open source collection of pre-trained models using neural network methods</a:t>
+              <a:t>It takes a lot of time and data to train models</a:t>
             </a:r>
           </a:p>
           <a:p>
             <a:r>
               <a:rPr lang="en-US" dirty="0"/>
-              <a:t>Let's you focus on making predictions and spend less time on training your own models</a:t>
+              <a:t>Fortunately, there are many open-source pre-trained models available that easily plug into Spark and other machine learning tools to let you leverage that knowledge in your own projects</a:t>
+            </a:r>
+          </a:p>
+          <a:p>
+            <a:r>
+              <a:rPr lang="en-US" dirty="0"/>
+              <a:t>Keras and TensorFlow offer many pre-trained models that are easy to use and let you skip right to the prediction phase</a:t>
+            </a:r>
+          </a:p>
+          <a:p>
+            <a:pPr lvl="1"/>
+            <a:r>
+              <a:rPr lang="en-US" dirty="0"/>
+              <a:t>InceptionV3 is one such image recognition model </a:t>
             </a:r>
           </a:p>
         </p:txBody>
@@ -8002,8 +7588,8 @@
         </p:nvSpPr>
         <p:spPr>
           <a:xfrm>
-            <a:off x="361050" y="2607705"/>
-            <a:ext cx="8582298" cy="2677656"/>
+            <a:off x="280851" y="3618770"/>
+            <a:ext cx="8582298" cy="1169551"/>
           </a:xfrm>
           <a:prstGeom prst="rect">
             <a:avLst/>
@@ -8139,39 +7725,296 @@
           <a:p>
             <a:r>
               <a:rPr lang="en-US" b="1" dirty="0"/>
-              <a:t>from </a:t>
-            </a:r>
-            <a:r>
-              <a:rPr lang="en-US" b="1" dirty="0" err="1"/>
-              <a:t>keras.applications</a:t>
-            </a:r>
+              <a:t>from sparkdl import DeepImagePredictor</a:t>
+            </a:r>
+          </a:p>
+          <a:p>
             <a:r>
               <a:rPr lang="en-US" b="1" dirty="0"/>
-              <a:t> import InceptionV3</a:t>
+              <a:t>image_df = ImageSchema.readImages("flower_photos/sample/")</a:t>
             </a:r>
           </a:p>
           <a:p>
             <a:r>
               <a:rPr lang="en-US" b="1" dirty="0"/>
-              <a:t>model = InceptionV3(weights="</a:t>
-            </a:r>
-            <a:r>
-              <a:rPr lang="en-US" b="1" dirty="0" err="1"/>
-              <a:t>imagenet</a:t>
+              <a:t>predictor = DeepImagePredictor(inputCol="image", outputCol="predicted_labels", </a:t>
+            </a:r>
+            <a:r>
+              <a:rPr lang="en-US" b="1" dirty="0">
+                <a:solidFill>
+                  <a:srgbClr val="FF0000"/>
+                </a:solidFill>
+              </a:rPr>
+              <a:t>modelName="InceptionV3", </a:t>
             </a:r>
             <a:r>
               <a:rPr lang="en-US" b="1" dirty="0"/>
-              <a:t>")</a:t>
-            </a:r>
-          </a:p>
-          <a:p>
-            <a:r>
-              <a:rPr lang="en-US" b="1" dirty="0" err="1"/>
-              <a:t>model.save</a:t>
-            </a:r>
+              <a:t>decodePredictions=True, topK=10)</a:t>
+            </a:r>
+          </a:p>
+          <a:p>
             <a:r>
               <a:rPr lang="en-US" b="1" dirty="0"/>
-              <a:t>('model-full.h5')</a:t>
+              <a:t>predictions_df = predictor.transform(image_df)</a:t>
+            </a:r>
+          </a:p>
+        </p:txBody>
+      </p:sp>
+    </p:spTree>
+    <p:extLst>
+      <p:ext uri="{BB962C8B-B14F-4D97-AF65-F5344CB8AC3E}">
+        <p14:creationId xmlns:p14="http://schemas.microsoft.com/office/powerpoint/2010/main" val="2291645500"/>
+      </p:ext>
+    </p:extLst>
+  </p:cSld>
+  <p:clrMapOvr>
+    <a:masterClrMapping/>
+  </p:clrMapOvr>
+</p:sld>
+</file>
+
+<file path=ppt/slides/slide7.xml><?xml version="1.0" encoding="utf-8"?>
+<p:sld xmlns:a="http://schemas.openxmlformats.org/drawingml/2006/main" xmlns:r="http://schemas.openxmlformats.org/officeDocument/2006/relationships" xmlns:p="http://schemas.openxmlformats.org/presentationml/2006/main">
+  <p:cSld>
+    <p:spTree>
+      <p:nvGrpSpPr>
+        <p:cNvPr id="1" name=""/>
+        <p:cNvGrpSpPr/>
+        <p:nvPr/>
+      </p:nvGrpSpPr>
+      <p:grpSpPr>
+        <a:xfrm>
+          <a:off x="0" y="0"/>
+          <a:ext cx="0" cy="0"/>
+          <a:chOff x="0" y="0"/>
+          <a:chExt cx="0" cy="0"/>
+        </a:xfrm>
+      </p:grpSpPr>
+      <p:sp>
+        <p:nvSpPr>
+          <p:cNvPr id="2" name="Title 1"/>
+          <p:cNvSpPr>
+            <a:spLocks noGrp="1"/>
+          </p:cNvSpPr>
+          <p:nvPr>
+            <p:ph type="title"/>
+          </p:nvPr>
+        </p:nvSpPr>
+        <p:spPr/>
+        <p:txBody>
+          <a:bodyPr/>
+          <a:lstStyle/>
+          <a:p>
+            <a:r>
+              <a:rPr lang="en-US" dirty="0"/>
+              <a:t>Keras Models</a:t>
+            </a:r>
+          </a:p>
+        </p:txBody>
+      </p:sp>
+      <p:sp>
+        <p:nvSpPr>
+          <p:cNvPr id="5" name="Content Placeholder 2">
+            <a:extLst>
+              <a:ext uri="{FF2B5EF4-FFF2-40B4-BE49-F238E27FC236}">
+                <a16:creationId xmlns:a16="http://schemas.microsoft.com/office/drawing/2014/main" id="{A4576B77-5CF2-D549-987B-2D6716FC4DD9}"/>
+              </a:ext>
+            </a:extLst>
+          </p:cNvPr>
+          <p:cNvSpPr>
+            <a:spLocks noGrp="1"/>
+          </p:cNvSpPr>
+          <p:nvPr>
+            <p:ph idx="1"/>
+          </p:nvPr>
+        </p:nvSpPr>
+        <p:spPr>
+          <a:xfrm>
+            <a:off x="581024" y="1155614"/>
+            <a:ext cx="8142351" cy="5072616"/>
+          </a:xfrm>
+        </p:spPr>
+        <p:txBody>
+          <a:bodyPr/>
+          <a:lstStyle/>
+          <a:p>
+            <a:r>
+              <a:rPr lang="en-US" dirty="0"/>
+              <a:t>Keras is another open-source collection of pre-trained models using neural network methods</a:t>
+            </a:r>
+          </a:p>
+          <a:p>
+            <a:r>
+              <a:rPr lang="en-US" dirty="0"/>
+              <a:t>Lets you focus on making predictions and spend less time on training your own models</a:t>
+            </a:r>
+          </a:p>
+        </p:txBody>
+      </p:sp>
+      <p:sp>
+        <p:nvSpPr>
+          <p:cNvPr id="6" name="TextBox 5">
+            <a:extLst>
+              <a:ext uri="{FF2B5EF4-FFF2-40B4-BE49-F238E27FC236}">
+                <a16:creationId xmlns:a16="http://schemas.microsoft.com/office/drawing/2014/main" id="{75052F06-AAC7-024C-BCFF-D655FD59BF99}"/>
+              </a:ext>
+            </a:extLst>
+          </p:cNvPr>
+          <p:cNvSpPr txBox="1"/>
+          <p:nvPr/>
+        </p:nvSpPr>
+        <p:spPr>
+          <a:xfrm>
+            <a:off x="1190937" y="2607705"/>
+            <a:ext cx="6762126" cy="2246769"/>
+          </a:xfrm>
+          <a:prstGeom prst="rect">
+            <a:avLst/>
+          </a:prstGeom>
+          <a:noFill/>
+          <a:ln w="28575" algn="ctr">
+            <a:solidFill>
+              <a:schemeClr val="accent2">
+                <a:lumMod val="20000"/>
+                <a:lumOff val="80000"/>
+              </a:schemeClr>
+            </a:solidFill>
+            <a:miter lim="800000"/>
+            <a:headEnd/>
+            <a:tailEnd/>
+          </a:ln>
+          <a:effectLst/>
+        </p:spPr>
+        <p:txBody>
+          <a:bodyPr wrap="square">
+            <a:spAutoFit/>
+          </a:bodyPr>
+          <a:lstStyle>
+            <a:defPPr>
+              <a:defRPr lang="en-US"/>
+            </a:defPPr>
+            <a:lvl1pPr marL="0" defTabSz="914400" eaLnBrk="1" latinLnBrk="0" hangingPunct="1">
+              <a:defRPr sz="1400">
+                <a:solidFill>
+                  <a:schemeClr val="tx1"/>
+                </a:solidFill>
+                <a:latin typeface="Courier New" pitchFamily="49" charset="0"/>
+                <a:cs typeface="+mn-cs"/>
+              </a:defRPr>
+            </a:lvl1pPr>
+            <a:lvl2pPr marL="742950" indent="-285750" defTabSz="914400" latinLnBrk="0">
+              <a:defRPr sz="1400">
+                <a:solidFill>
+                  <a:schemeClr val="tx1"/>
+                </a:solidFill>
+                <a:latin typeface="Arial" charset="0"/>
+                <a:cs typeface="+mn-cs"/>
+              </a:defRPr>
+            </a:lvl2pPr>
+            <a:lvl3pPr marL="1143000" indent="-228600" defTabSz="914400" latinLnBrk="0">
+              <a:defRPr sz="1400">
+                <a:solidFill>
+                  <a:schemeClr val="tx1"/>
+                </a:solidFill>
+                <a:latin typeface="Arial" charset="0"/>
+                <a:cs typeface="+mn-cs"/>
+              </a:defRPr>
+            </a:lvl3pPr>
+            <a:lvl4pPr marL="1600200" indent="-228600" defTabSz="914400" latinLnBrk="0">
+              <a:defRPr sz="1400">
+                <a:solidFill>
+                  <a:schemeClr val="tx1"/>
+                </a:solidFill>
+                <a:latin typeface="Arial" charset="0"/>
+                <a:cs typeface="+mn-cs"/>
+              </a:defRPr>
+            </a:lvl4pPr>
+            <a:lvl5pPr marL="2057400" indent="-228600" defTabSz="914400" latinLnBrk="0">
+              <a:defRPr sz="1400">
+                <a:solidFill>
+                  <a:schemeClr val="tx1"/>
+                </a:solidFill>
+                <a:latin typeface="Arial" charset="0"/>
+                <a:cs typeface="+mn-cs"/>
+              </a:defRPr>
+            </a:lvl5pPr>
+            <a:lvl6pPr marL="2514600" indent="-228600" eaLnBrk="0" fontAlgn="base" hangingPunct="0">
+              <a:spcBef>
+                <a:spcPct val="0"/>
+              </a:spcBef>
+              <a:spcAft>
+                <a:spcPct val="0"/>
+              </a:spcAft>
+              <a:defRPr sz="1400">
+                <a:solidFill>
+                  <a:schemeClr val="tx1"/>
+                </a:solidFill>
+                <a:latin typeface="Arial" charset="0"/>
+                <a:cs typeface="+mn-cs"/>
+              </a:defRPr>
+            </a:lvl6pPr>
+            <a:lvl7pPr marL="2971800" indent="-228600" eaLnBrk="0" fontAlgn="base" hangingPunct="0">
+              <a:spcBef>
+                <a:spcPct val="0"/>
+              </a:spcBef>
+              <a:spcAft>
+                <a:spcPct val="0"/>
+              </a:spcAft>
+              <a:defRPr sz="1400">
+                <a:solidFill>
+                  <a:schemeClr val="tx1"/>
+                </a:solidFill>
+                <a:latin typeface="Arial" charset="0"/>
+                <a:cs typeface="+mn-cs"/>
+              </a:defRPr>
+            </a:lvl7pPr>
+            <a:lvl8pPr marL="3429000" indent="-228600" eaLnBrk="0" fontAlgn="base" hangingPunct="0">
+              <a:spcBef>
+                <a:spcPct val="0"/>
+              </a:spcBef>
+              <a:spcAft>
+                <a:spcPct val="0"/>
+              </a:spcAft>
+              <a:defRPr sz="1400">
+                <a:solidFill>
+                  <a:schemeClr val="tx1"/>
+                </a:solidFill>
+                <a:latin typeface="Arial" charset="0"/>
+                <a:cs typeface="+mn-cs"/>
+              </a:defRPr>
+            </a:lvl8pPr>
+            <a:lvl9pPr marL="3886200" indent="-228600" eaLnBrk="0" fontAlgn="base" hangingPunct="0">
+              <a:spcBef>
+                <a:spcPct val="0"/>
+              </a:spcBef>
+              <a:spcAft>
+                <a:spcPct val="0"/>
+              </a:spcAft>
+              <a:defRPr sz="1400">
+                <a:solidFill>
+                  <a:schemeClr val="tx1"/>
+                </a:solidFill>
+                <a:latin typeface="Arial" charset="0"/>
+                <a:cs typeface="+mn-cs"/>
+              </a:defRPr>
+            </a:lvl9pPr>
+          </a:lstStyle>
+          <a:p>
+            <a:r>
+              <a:rPr lang="en-US" b="1" dirty="0"/>
+              <a:t>from keras.applications import InceptionV3</a:t>
+            </a:r>
+          </a:p>
+          <a:p>
+            <a:r>
+              <a:rPr lang="en-US" b="1" dirty="0"/>
+              <a:t>model = InceptionV3(weights="imagenet")</a:t>
+            </a:r>
+          </a:p>
+          <a:p>
+            <a:r>
+              <a:rPr lang="en-US" b="1" dirty="0"/>
+              <a:t>model.save('model-full.h5')</a:t>
             </a:r>
           </a:p>
           <a:p>
@@ -8183,98 +8026,36 @@
           <a:p>
             <a:r>
               <a:rPr lang="en-US" b="1" dirty="0"/>
-              <a:t>transformer = </a:t>
-            </a:r>
-            <a:r>
-              <a:rPr lang="en-US" b="1" dirty="0" err="1"/>
-              <a:t>KerasImageFileTransformer</a:t>
-            </a:r>
-            <a:r>
-              <a:rPr lang="en-US" b="1" dirty="0"/>
-              <a:t>(</a:t>
-            </a:r>
-            <a:r>
-              <a:rPr lang="en-US" b="1" dirty="0" err="1"/>
-              <a:t>inputCol</a:t>
-            </a:r>
-            <a:r>
-              <a:rPr lang="en-US" b="1" dirty="0"/>
-              <a:t>="</a:t>
-            </a:r>
-            <a:r>
-              <a:rPr lang="en-US" b="1" dirty="0" err="1"/>
-              <a:t>uri</a:t>
-            </a:r>
-            <a:r>
-              <a:rPr lang="en-US" b="1" dirty="0"/>
-              <a:t>",\</a:t>
+              <a:t>transformer = KerasImageFileTransformer(inputCol="uri",\</a:t>
             </a:r>
             <a:br>
               <a:rPr lang="en-US" b="1" dirty="0"/>
             </a:br>
             <a:r>
               <a:rPr lang="en-US" b="1" dirty="0"/>
-              <a:t>            </a:t>
-            </a:r>
-            <a:r>
-              <a:rPr lang="en-US" b="1" dirty="0" err="1"/>
-              <a:t>outputCol</a:t>
-            </a:r>
-            <a:r>
-              <a:rPr lang="en-US" b="1" dirty="0"/>
-              <a:t>="predictions", \</a:t>
+              <a:t>            outputCol="predictions", \</a:t>
             </a:r>
             <a:br>
               <a:rPr lang="en-US" b="1" dirty="0"/>
             </a:br>
             <a:r>
               <a:rPr lang="en-US" b="1" dirty="0"/>
-              <a:t>            </a:t>
-            </a:r>
-            <a:r>
-              <a:rPr lang="en-US" b="1" dirty="0" err="1"/>
-              <a:t>modelFile</a:t>
-            </a:r>
-            <a:r>
-              <a:rPr lang="en-US" b="1" dirty="0"/>
-              <a:t>='model-full.h5', \</a:t>
+              <a:t>            modelFile='model-full.h5', \</a:t>
             </a:r>
             <a:br>
               <a:rPr lang="en-US" b="1" dirty="0"/>
             </a:br>
             <a:r>
               <a:rPr lang="en-US" b="1" dirty="0"/>
-              <a:t>            </a:t>
-            </a:r>
-            <a:r>
-              <a:rPr lang="en-US" b="1" dirty="0" err="1"/>
-              <a:t>imageLoader</a:t>
-            </a:r>
-            <a:r>
-              <a:rPr lang="en-US" b="1" dirty="0"/>
-              <a:t>=loadAndPreprocessKerasInceptionV3, \</a:t>
+              <a:t>            imageLoader=loadAndPreprocessKerasInceptionV3, \</a:t>
             </a:r>
             <a:br>
               <a:rPr lang="en-US" b="1" dirty="0"/>
             </a:br>
             <a:r>
               <a:rPr lang="en-US" b="1" dirty="0"/>
-              <a:t>            </a:t>
-            </a:r>
-            <a:r>
-              <a:rPr lang="en-US" b="1" dirty="0" err="1"/>
-              <a:t>outputMode</a:t>
-            </a:r>
-            <a:r>
-              <a:rPr lang="en-US" b="1" dirty="0"/>
-              <a:t>="vector")</a:t>
-            </a:r>
-          </a:p>
-          <a:p>
-            <a:endParaRPr lang="en-US" b="1" dirty="0"/>
-          </a:p>
-          <a:p>
-            <a:endParaRPr lang="en-US" b="1" dirty="0"/>
+              <a:t>            outputMode="vector")</a:t>
+            </a:r>
           </a:p>
         </p:txBody>
       </p:sp>
@@ -8291,7 +8072,7 @@
 </p:sld>
 </file>
 
-<file path=ppt/slides/slide7.xml><?xml version="1.0" encoding="utf-8"?>
+<file path=ppt/slides/slide8.xml><?xml version="1.0" encoding="utf-8"?>
 <p:sld xmlns:a="http://schemas.openxmlformats.org/drawingml/2006/main" xmlns:r="http://schemas.openxmlformats.org/officeDocument/2006/relationships" xmlns:p="http://schemas.openxmlformats.org/presentationml/2006/main">
   <p:cSld>
     <p:spTree>
@@ -8325,19 +8106,19 @@
           <a:p>
             <a:r>
               <a:rPr lang="en-US" dirty="0"/>
-              <a:t>Deep Learning is just an extension of Neural Network concepts</a:t>
+              <a:t>Deep learning is just an extension of Neural Network concepts</a:t>
             </a:r>
           </a:p>
           <a:p>
             <a:r>
               <a:rPr lang="en-US" dirty="0"/>
-              <a:t>Explore the different open source pre-trained models available for immediate use</a:t>
+              <a:t>Explore the different open-source pre-trained models available for immediate use</a:t>
             </a:r>
           </a:p>
           <a:p>
             <a:r>
               <a:rPr lang="en-US" dirty="0"/>
-              <a:t>Build your own trained models when you can't find an available resource to suit your needs</a:t>
+              <a:t>Build your own trained models when you can’t find an available resource to suit your needs</a:t>
             </a:r>
           </a:p>
         </p:txBody>
@@ -8377,7 +8158,7 @@
 </p:sld>
 </file>
 
-<file path=ppt/slides/slide8.xml><?xml version="1.0" encoding="utf-8"?>
+<file path=ppt/slides/slide9.xml><?xml version="1.0" encoding="utf-8"?>
 <p:sld xmlns:a="http://schemas.openxmlformats.org/drawingml/2006/main" xmlns:r="http://schemas.openxmlformats.org/officeDocument/2006/relationships" xmlns:p="http://schemas.openxmlformats.org/presentationml/2006/main">
   <p:cSld>
     <p:spTree>
@@ -8414,13 +8195,13 @@
             </a:pPr>
             <a:r>
               <a:rPr lang="en-US" dirty="0"/>
-              <a:t>In this chapter, we discovered:</a:t>
+              <a:t>In this chapter, we have discovered:</a:t>
             </a:r>
           </a:p>
           <a:p>
             <a:r>
               <a:rPr lang="en-US" dirty="0"/>
-              <a:t>What is Deep Learning</a:t>
+              <a:t>What deep learning is</a:t>
             </a:r>
           </a:p>
           <a:p>
@@ -8432,15 +8213,7 @@
           <a:p>
             <a:r>
               <a:rPr lang="en-US" dirty="0"/>
-              <a:t>How to use </a:t>
-            </a:r>
-            <a:r>
-              <a:rPr lang="en-US" dirty="0" err="1"/>
-              <a:t>Keras</a:t>
-            </a:r>
-            <a:r>
-              <a:rPr lang="en-US" dirty="0"/>
-              <a:t> trained models</a:t>
+              <a:t>How to use Keras trained models</a:t>
             </a:r>
           </a:p>
           <a:p>
@@ -9698,21 +9471,6 @@
 </file>
 
 <file path=customXml/item1.xml><?xml version="1.0" encoding="utf-8"?>
-<?mso-contentType ?>
-<FormTemplates xmlns="http://schemas.microsoft.com/sharepoint/v3/contenttype/forms">
-  <Display>DocumentLibraryForm</Display>
-  <Edit>DocumentLibraryForm</Edit>
-  <New>DocumentLibraryForm</New>
-</FormTemplates>
-</file>
-
-<file path=customXml/item2.xml><?xml version="1.0" encoding="utf-8"?>
-<p:properties xmlns:p="http://schemas.microsoft.com/office/2006/metadata/properties" xmlns:xsi="http://www.w3.org/2001/XMLSchema-instance" xmlns:pc="http://schemas.microsoft.com/office/infopath/2007/PartnerControls">
-  <documentManagement/>
-</p:properties>
-</file>
-
-<file path=customXml/item3.xml><?xml version="1.0" encoding="utf-8"?>
 <ct:contentTypeSchema xmlns:ct="http://schemas.microsoft.com/office/2006/metadata/contentType" xmlns:ma="http://schemas.microsoft.com/office/2006/metadata/properties/metaAttributes" ct:_="" ma:_="" ma:contentTypeName="Document" ma:contentTypeID="0x0101004C58D7A746750E48B9E257CBBD401C71" ma:contentTypeVersion="5" ma:contentTypeDescription="Create a new document." ma:contentTypeScope="" ma:versionID="9b104746e7bcdc89d5c9d8909bc79033">
   <xsd:schema xmlns:xsd="http://www.w3.org/2001/XMLSchema" xmlns:xs="http://www.w3.org/2001/XMLSchema" xmlns:p="http://schemas.microsoft.com/office/2006/metadata/properties" xmlns:ns2="3f1ded34-099e-46dd-b0de-95a90e7e1e5f" targetNamespace="http://schemas.microsoft.com/office/2006/metadata/properties" ma:root="true" ma:fieldsID="39039af933a2d9dca5a96354c4c2b0ed" ns2:_="">
     <xsd:import namespace="3f1ded34-099e-46dd-b0de-95a90e7e1e5f"/>
@@ -9864,31 +9622,22 @@
 </ct:contentTypeSchema>
 </file>
 
-<file path=customXml/itemProps1.xml><?xml version="1.0" encoding="utf-8"?>
-<ds:datastoreItem xmlns:ds="http://schemas.openxmlformats.org/officeDocument/2006/customXml" ds:itemID="{2DA015F3-603C-4688-A5F3-81D587DAB8C9}">
-  <ds:schemaRefs>
-    <ds:schemaRef ds:uri="http://schemas.microsoft.com/sharepoint/v3/contenttype/forms"/>
-  </ds:schemaRefs>
-</ds:datastoreItem>
+<file path=customXml/item2.xml><?xml version="1.0" encoding="utf-8"?>
+<?mso-contentType ?>
+<FormTemplates xmlns="http://schemas.microsoft.com/sharepoint/v3/contenttype/forms">
+  <Display>DocumentLibraryForm</Display>
+  <Edit>DocumentLibraryForm</Edit>
+  <New>DocumentLibraryForm</New>
+</FormTemplates>
 </file>
 
-<file path=customXml/itemProps2.xml><?xml version="1.0" encoding="utf-8"?>
-<ds:datastoreItem xmlns:ds="http://schemas.openxmlformats.org/officeDocument/2006/customXml" ds:itemID="{F47B9207-CE5C-49AD-B414-15CBFA246D65}">
-  <ds:schemaRefs>
-    <ds:schemaRef ds:uri="http://purl.org/dc/terms/"/>
-    <ds:schemaRef ds:uri="3f1ded34-099e-46dd-b0de-95a90e7e1e5f"/>
-    <ds:schemaRef ds:uri="http://schemas.microsoft.com/office/2006/documentManagement/types"/>
-    <ds:schemaRef ds:uri="http://schemas.microsoft.com/office/infopath/2007/PartnerControls"/>
-    <ds:schemaRef ds:uri="http://purl.org/dc/elements/1.1/"/>
-    <ds:schemaRef ds:uri="http://schemas.microsoft.com/office/2006/metadata/properties"/>
-    <ds:schemaRef ds:uri="http://schemas.openxmlformats.org/package/2006/metadata/core-properties"/>
-    <ds:schemaRef ds:uri="http://www.w3.org/XML/1998/namespace"/>
-    <ds:schemaRef ds:uri="http://purl.org/dc/dcmitype/"/>
-  </ds:schemaRefs>
-</ds:datastoreItem>
+<file path=customXml/item3.xml><?xml version="1.0" encoding="utf-8"?>
+<p:properties xmlns:p="http://schemas.microsoft.com/office/2006/metadata/properties" xmlns:xsi="http://www.w3.org/2001/XMLSchema-instance" xmlns:pc="http://schemas.microsoft.com/office/infopath/2007/PartnerControls">
+  <documentManagement/>
+</p:properties>
 </file>
 
-<file path=customXml/itemProps3.xml><?xml version="1.0" encoding="utf-8"?>
+<file path=customXml/itemProps1.xml><?xml version="1.0" encoding="utf-8"?>
 <ds:datastoreItem xmlns:ds="http://schemas.openxmlformats.org/officeDocument/2006/customXml" ds:itemID="{6751EBC6-C433-43E6-8F46-C6D6D677BF51}">
   <ds:schemaRefs>
     <ds:schemaRef ds:uri="http://schemas.microsoft.com/office/2006/metadata/contentType"/>
@@ -9904,4 +9653,28 @@
     <ds:schemaRef ds:uri="http://schemas.microsoft.com/internal/obd"/>
   </ds:schemaRefs>
 </ds:datastoreItem>
+</file>
+
+<file path=customXml/itemProps2.xml><?xml version="1.0" encoding="utf-8"?>
+<ds:datastoreItem xmlns:ds="http://schemas.openxmlformats.org/officeDocument/2006/customXml" ds:itemID="{2DA015F3-603C-4688-A5F3-81D587DAB8C9}">
+  <ds:schemaRefs>
+    <ds:schemaRef ds:uri="http://schemas.microsoft.com/sharepoint/v3/contenttype/forms"/>
+  </ds:schemaRefs>
+</ds:datastoreItem>
+</file>
+
+<file path=customXml/itemProps3.xml><?xml version="1.0" encoding="utf-8"?>
+<ds:datastoreItem xmlns:ds="http://schemas.openxmlformats.org/officeDocument/2006/customXml" ds:itemID="{F47B9207-CE5C-49AD-B414-15CBFA246D65}">
+  <ds:schemaRefs>
+    <ds:schemaRef ds:uri="http://purl.org/dc/terms/"/>
+    <ds:schemaRef ds:uri="http://schemas.microsoft.com/office/infopath/2007/PartnerControls"/>
+    <ds:schemaRef ds:uri="http://schemas.microsoft.com/office/2006/metadata/properties"/>
+    <ds:schemaRef ds:uri="http://schemas.microsoft.com/office/2006/documentManagement/types"/>
+    <ds:schemaRef ds:uri="http://purl.org/dc/elements/1.1/"/>
+    <ds:schemaRef ds:uri="3f1ded34-099e-46dd-b0de-95a90e7e1e5f"/>
+    <ds:schemaRef ds:uri="http://schemas.openxmlformats.org/package/2006/metadata/core-properties"/>
+    <ds:schemaRef ds:uri="http://www.w3.org/XML/1998/namespace"/>
+    <ds:schemaRef ds:uri="http://purl.org/dc/dcmitype/"/>
+  </ds:schemaRefs>
+</ds:datastoreItem>
 </file>